--- a/Presentation.pptx
+++ b/Presentation.pptx
@@ -10,6 +10,11 @@
     <p:sldId id="258" r:id="rId4"/>
     <p:sldId id="259" r:id="rId5"/>
     <p:sldId id="261" r:id="rId6"/>
+    <p:sldId id="262" r:id="rId7"/>
+    <p:sldId id="264" r:id="rId8"/>
+    <p:sldId id="263" r:id="rId9"/>
+    <p:sldId id="265" r:id="rId10"/>
+    <p:sldId id="266" r:id="rId11"/>
   </p:sldIdLst>
   <p:sldSz cx="12192000" cy="6858000"/>
   <p:notesSz cx="6858000" cy="9144000"/>
@@ -6233,6 +6238,66 @@
 </p:sld>
 </file>
 
+<file path=ppt/slides/slide10.xml><?xml version="1.0" encoding="utf-8"?>
+<p:sld xmlns:a="http://schemas.openxmlformats.org/drawingml/2006/main" xmlns:r="http://schemas.openxmlformats.org/officeDocument/2006/relationships" xmlns:p="http://schemas.openxmlformats.org/presentationml/2006/main">
+  <p:cSld>
+    <p:spTree>
+      <p:nvGrpSpPr>
+        <p:cNvPr id="1" name=""/>
+        <p:cNvGrpSpPr/>
+        <p:nvPr/>
+      </p:nvGrpSpPr>
+      <p:grpSpPr>
+        <a:xfrm>
+          <a:off x="0" y="0"/>
+          <a:ext cx="0" cy="0"/>
+          <a:chOff x="0" y="0"/>
+          <a:chExt cx="0" cy="0"/>
+        </a:xfrm>
+      </p:grpSpPr>
+      <p:pic>
+        <p:nvPicPr>
+          <p:cNvPr id="2" name="Picture 1"/>
+          <p:cNvPicPr>
+            <a:picLocks noChangeAspect="1"/>
+          </p:cNvPicPr>
+          <p:nvPr/>
+        </p:nvPicPr>
+        <p:blipFill>
+          <a:blip r:embed="rId2">
+            <a:extLst>
+              <a:ext uri="{28A0092B-C50C-407E-A947-70E740481C1C}">
+                <a14:useLocalDpi xmlns:a14="http://schemas.microsoft.com/office/drawing/2010/main" val="0"/>
+              </a:ext>
+            </a:extLst>
+          </a:blip>
+          <a:stretch>
+            <a:fillRect/>
+          </a:stretch>
+        </p:blipFill>
+        <p:spPr>
+          <a:xfrm>
+            <a:off x="70596" y="1042654"/>
+            <a:ext cx="12050807" cy="4772691"/>
+          </a:xfrm>
+          <a:prstGeom prst="rect">
+            <a:avLst/>
+          </a:prstGeom>
+        </p:spPr>
+      </p:pic>
+    </p:spTree>
+    <p:extLst>
+      <p:ext uri="{BB962C8B-B14F-4D97-AF65-F5344CB8AC3E}">
+        <p14:creationId xmlns:p14="http://schemas.microsoft.com/office/powerpoint/2010/main" val="2979057747"/>
+      </p:ext>
+    </p:extLst>
+  </p:cSld>
+  <p:clrMapOvr>
+    <a:masterClrMapping/>
+  </p:clrMapOvr>
+</p:sld>
+</file>
+
 <file path=ppt/slides/slide2.xml><?xml version="1.0" encoding="utf-8"?>
 <p:sld xmlns:a="http://schemas.openxmlformats.org/drawingml/2006/main" xmlns:r="http://schemas.openxmlformats.org/officeDocument/2006/relationships" xmlns:p="http://schemas.openxmlformats.org/presentationml/2006/main">
   <p:cSld>
@@ -6357,11 +6422,7 @@
             </a:r>
             <a:r>
               <a:rPr lang="en-US" sz="1800" dirty="0" smtClean="0"/>
-              <a:t>oftware </a:t>
-            </a:r>
-            <a:r>
-              <a:rPr lang="en-US" sz="1800" dirty="0" smtClean="0"/>
-              <a:t>P.L.C</a:t>
+              <a:t>oftware P.L.C</a:t>
             </a:r>
           </a:p>
           <a:p>
@@ -6371,15 +6432,7 @@
             </a:pPr>
             <a:r>
               <a:rPr lang="en-US" sz="1800" dirty="0" smtClean="0"/>
-              <a:t>Working as a web Application developer at </a:t>
-            </a:r>
-            <a:r>
-              <a:rPr lang="en-US" sz="1800" dirty="0" smtClean="0"/>
-              <a:t> </a:t>
-            </a:r>
-            <a:r>
-              <a:rPr lang="en-US" sz="1800" dirty="0" smtClean="0"/>
-              <a:t>Rensys Engineering P.L.C in Ethiopia</a:t>
+              <a:t>Working as a web Application developer at  Rensys Engineering P.L.C in Ethiopia</a:t>
             </a:r>
           </a:p>
           <a:p>
@@ -6489,23 +6542,7 @@
           <a:p>
             <a:r>
               <a:rPr lang="en-US" dirty="0" smtClean="0"/>
-              <a:t>We Learn </a:t>
-            </a:r>
-            <a:r>
-              <a:rPr lang="en-US" dirty="0" smtClean="0"/>
-              <a:t> </a:t>
-            </a:r>
-            <a:r>
-              <a:rPr lang="en-US" dirty="0" smtClean="0"/>
-              <a:t>basics in </a:t>
-            </a:r>
-            <a:r>
-              <a:rPr lang="en-US" dirty="0" smtClean="0"/>
-              <a:t>C#</a:t>
-            </a:r>
-            <a:r>
-              <a:rPr lang="en-US" dirty="0" smtClean="0"/>
-              <a:t> and .NET</a:t>
+              <a:t>We Learn  basics in C# and .NET</a:t>
             </a:r>
           </a:p>
           <a:p>
@@ -6551,7 +6588,6 @@
               <a:rPr lang="en-US" dirty="0" smtClean="0"/>
               <a:t>MVC</a:t>
             </a:r>
-            <a:endParaRPr lang="en-US" dirty="0" smtClean="0"/>
           </a:p>
           <a:p>
             <a:r>
@@ -6588,7 +6624,6 @@
               <a:rPr lang="en-US" dirty="0" smtClean="0"/>
               <a:t>JQuery </a:t>
             </a:r>
-            <a:endParaRPr lang="en-US" dirty="0" smtClean="0"/>
           </a:p>
           <a:p>
             <a:pPr>
@@ -6600,11 +6635,7 @@
           <a:p>
             <a:r>
               <a:rPr lang="en-US" dirty="0" smtClean="0"/>
-              <a:t>The </a:t>
-            </a:r>
-            <a:r>
-              <a:rPr lang="en-US" dirty="0" smtClean="0"/>
-              <a:t>Training Helps us to build not only knowledge also build our confidence to do a project professionally</a:t>
+              <a:t>The Training Helps us to build not only knowledge also build our confidence to do a project professionally</a:t>
             </a:r>
           </a:p>
           <a:p>
@@ -6776,7 +6807,6 @@
               <a:rPr lang="en-US" sz="2400" dirty="0" smtClean="0"/>
               <a:t>Manage patients</a:t>
             </a:r>
-            <a:endParaRPr lang="en-US" sz="2400" dirty="0" smtClean="0"/>
           </a:p>
           <a:p>
             <a:pPr lvl="1">
@@ -6787,7 +6817,6 @@
               <a:rPr lang="en-US" sz="2400" dirty="0" smtClean="0"/>
               <a:t>Manage Bills</a:t>
             </a:r>
-            <a:endParaRPr lang="en-US" sz="2400" dirty="0" smtClean="0"/>
           </a:p>
           <a:p>
             <a:pPr>
@@ -6896,6 +6925,246 @@
       </p:par>
     </p:tnLst>
   </p:timing>
+</p:sld>
+</file>
+
+<file path=ppt/slides/slide6.xml><?xml version="1.0" encoding="utf-8"?>
+<p:sld xmlns:a="http://schemas.openxmlformats.org/drawingml/2006/main" xmlns:r="http://schemas.openxmlformats.org/officeDocument/2006/relationships" xmlns:p="http://schemas.openxmlformats.org/presentationml/2006/main">
+  <p:cSld>
+    <p:spTree>
+      <p:nvGrpSpPr>
+        <p:cNvPr id="1" name=""/>
+        <p:cNvGrpSpPr/>
+        <p:nvPr/>
+      </p:nvGrpSpPr>
+      <p:grpSpPr>
+        <a:xfrm>
+          <a:off x="0" y="0"/>
+          <a:ext cx="0" cy="0"/>
+          <a:chOff x="0" y="0"/>
+          <a:chExt cx="0" cy="0"/>
+        </a:xfrm>
+      </p:grpSpPr>
+      <p:pic>
+        <p:nvPicPr>
+          <p:cNvPr id="5" name="Picture 4"/>
+          <p:cNvPicPr>
+            <a:picLocks noChangeAspect="1"/>
+          </p:cNvPicPr>
+          <p:nvPr/>
+        </p:nvPicPr>
+        <p:blipFill>
+          <a:blip r:embed="rId2">
+            <a:extLst>
+              <a:ext uri="{28A0092B-C50C-407E-A947-70E740481C1C}">
+                <a14:useLocalDpi xmlns:a14="http://schemas.microsoft.com/office/drawing/2010/main" val="0"/>
+              </a:ext>
+            </a:extLst>
+          </a:blip>
+          <a:stretch>
+            <a:fillRect/>
+          </a:stretch>
+        </p:blipFill>
+        <p:spPr>
+          <a:xfrm>
+            <a:off x="3952576" y="1171260"/>
+            <a:ext cx="4286848" cy="4515480"/>
+          </a:xfrm>
+          <a:prstGeom prst="rect">
+            <a:avLst/>
+          </a:prstGeom>
+        </p:spPr>
+      </p:pic>
+    </p:spTree>
+    <p:extLst>
+      <p:ext uri="{BB962C8B-B14F-4D97-AF65-F5344CB8AC3E}">
+        <p14:creationId xmlns:p14="http://schemas.microsoft.com/office/powerpoint/2010/main" val="3329704687"/>
+      </p:ext>
+    </p:extLst>
+  </p:cSld>
+  <p:clrMapOvr>
+    <a:masterClrMapping/>
+  </p:clrMapOvr>
+</p:sld>
+</file>
+
+<file path=ppt/slides/slide7.xml><?xml version="1.0" encoding="utf-8"?>
+<p:sld xmlns:a="http://schemas.openxmlformats.org/drawingml/2006/main" xmlns:r="http://schemas.openxmlformats.org/officeDocument/2006/relationships" xmlns:p="http://schemas.openxmlformats.org/presentationml/2006/main">
+  <p:cSld>
+    <p:spTree>
+      <p:nvGrpSpPr>
+        <p:cNvPr id="1" name=""/>
+        <p:cNvGrpSpPr/>
+        <p:nvPr/>
+      </p:nvGrpSpPr>
+      <p:grpSpPr>
+        <a:xfrm>
+          <a:off x="0" y="0"/>
+          <a:ext cx="0" cy="0"/>
+          <a:chOff x="0" y="0"/>
+          <a:chExt cx="0" cy="0"/>
+        </a:xfrm>
+      </p:grpSpPr>
+      <p:pic>
+        <p:nvPicPr>
+          <p:cNvPr id="2" name="Picture 1"/>
+          <p:cNvPicPr>
+            <a:picLocks noChangeAspect="1"/>
+          </p:cNvPicPr>
+          <p:nvPr/>
+        </p:nvPicPr>
+        <p:blipFill>
+          <a:blip r:embed="rId2">
+            <a:extLst>
+              <a:ext uri="{28A0092B-C50C-407E-A947-70E740481C1C}">
+                <a14:useLocalDpi xmlns:a14="http://schemas.microsoft.com/office/drawing/2010/main" val="0"/>
+              </a:ext>
+            </a:extLst>
+          </a:blip>
+          <a:stretch>
+            <a:fillRect/>
+          </a:stretch>
+        </p:blipFill>
+        <p:spPr>
+          <a:xfrm>
+            <a:off x="160246" y="459323"/>
+            <a:ext cx="12031754" cy="4972744"/>
+          </a:xfrm>
+          <a:prstGeom prst="rect">
+            <a:avLst/>
+          </a:prstGeom>
+        </p:spPr>
+      </p:pic>
+    </p:spTree>
+    <p:extLst>
+      <p:ext uri="{BB962C8B-B14F-4D97-AF65-F5344CB8AC3E}">
+        <p14:creationId xmlns:p14="http://schemas.microsoft.com/office/powerpoint/2010/main" val="186946989"/>
+      </p:ext>
+    </p:extLst>
+  </p:cSld>
+  <p:clrMapOvr>
+    <a:masterClrMapping/>
+  </p:clrMapOvr>
+</p:sld>
+</file>
+
+<file path=ppt/slides/slide8.xml><?xml version="1.0" encoding="utf-8"?>
+<p:sld xmlns:a="http://schemas.openxmlformats.org/drawingml/2006/main" xmlns:r="http://schemas.openxmlformats.org/officeDocument/2006/relationships" xmlns:p="http://schemas.openxmlformats.org/presentationml/2006/main">
+  <p:cSld>
+    <p:spTree>
+      <p:nvGrpSpPr>
+        <p:cNvPr id="1" name=""/>
+        <p:cNvGrpSpPr/>
+        <p:nvPr/>
+      </p:nvGrpSpPr>
+      <p:grpSpPr>
+        <a:xfrm>
+          <a:off x="0" y="0"/>
+          <a:ext cx="0" cy="0"/>
+          <a:chOff x="0" y="0"/>
+          <a:chExt cx="0" cy="0"/>
+        </a:xfrm>
+      </p:grpSpPr>
+      <p:pic>
+        <p:nvPicPr>
+          <p:cNvPr id="2" name="Picture 1"/>
+          <p:cNvPicPr>
+            <a:picLocks noChangeAspect="1"/>
+          </p:cNvPicPr>
+          <p:nvPr/>
+        </p:nvPicPr>
+        <p:blipFill>
+          <a:blip r:embed="rId2">
+            <a:extLst>
+              <a:ext uri="{28A0092B-C50C-407E-A947-70E740481C1C}">
+                <a14:useLocalDpi xmlns:a14="http://schemas.microsoft.com/office/drawing/2010/main" val="0"/>
+              </a:ext>
+            </a:extLst>
+          </a:blip>
+          <a:stretch>
+            <a:fillRect/>
+          </a:stretch>
+        </p:blipFill>
+        <p:spPr>
+          <a:xfrm>
+            <a:off x="0" y="1236820"/>
+            <a:ext cx="12192000" cy="4384360"/>
+          </a:xfrm>
+          <a:prstGeom prst="rect">
+            <a:avLst/>
+          </a:prstGeom>
+        </p:spPr>
+      </p:pic>
+    </p:spTree>
+    <p:extLst>
+      <p:ext uri="{BB962C8B-B14F-4D97-AF65-F5344CB8AC3E}">
+        <p14:creationId xmlns:p14="http://schemas.microsoft.com/office/powerpoint/2010/main" val="50311736"/>
+      </p:ext>
+    </p:extLst>
+  </p:cSld>
+  <p:clrMapOvr>
+    <a:masterClrMapping/>
+  </p:clrMapOvr>
+</p:sld>
+</file>
+
+<file path=ppt/slides/slide9.xml><?xml version="1.0" encoding="utf-8"?>
+<p:sld xmlns:a="http://schemas.openxmlformats.org/drawingml/2006/main" xmlns:r="http://schemas.openxmlformats.org/officeDocument/2006/relationships" xmlns:p="http://schemas.openxmlformats.org/presentationml/2006/main">
+  <p:cSld>
+    <p:spTree>
+      <p:nvGrpSpPr>
+        <p:cNvPr id="1" name=""/>
+        <p:cNvGrpSpPr/>
+        <p:nvPr/>
+      </p:nvGrpSpPr>
+      <p:grpSpPr>
+        <a:xfrm>
+          <a:off x="0" y="0"/>
+          <a:ext cx="0" cy="0"/>
+          <a:chOff x="0" y="0"/>
+          <a:chExt cx="0" cy="0"/>
+        </a:xfrm>
+      </p:grpSpPr>
+      <p:pic>
+        <p:nvPicPr>
+          <p:cNvPr id="2" name="Picture 1"/>
+          <p:cNvPicPr>
+            <a:picLocks noChangeAspect="1"/>
+          </p:cNvPicPr>
+          <p:nvPr/>
+        </p:nvPicPr>
+        <p:blipFill>
+          <a:blip r:embed="rId2">
+            <a:extLst>
+              <a:ext uri="{28A0092B-C50C-407E-A947-70E740481C1C}">
+                <a14:useLocalDpi xmlns:a14="http://schemas.microsoft.com/office/drawing/2010/main" val="0"/>
+              </a:ext>
+            </a:extLst>
+          </a:blip>
+          <a:stretch>
+            <a:fillRect/>
+          </a:stretch>
+        </p:blipFill>
+        <p:spPr>
+          <a:xfrm>
+            <a:off x="0" y="1101018"/>
+            <a:ext cx="12192000" cy="4655964"/>
+          </a:xfrm>
+          <a:prstGeom prst="rect">
+            <a:avLst/>
+          </a:prstGeom>
+        </p:spPr>
+      </p:pic>
+    </p:spTree>
+    <p:extLst>
+      <p:ext uri="{BB962C8B-B14F-4D97-AF65-F5344CB8AC3E}">
+        <p14:creationId xmlns:p14="http://schemas.microsoft.com/office/powerpoint/2010/main" val="1974189307"/>
+      </p:ext>
+    </p:extLst>
+  </p:cSld>
+  <p:clrMapOvr>
+    <a:masterClrMapping/>
+  </p:clrMapOvr>
 </p:sld>
 </file>
 
